--- a/Obchodní strategie Albertu.pptx
+++ b/Obchodní strategie Albertu.pptx
@@ -6,12 +6,13 @@
   </p:sldMasterIdLst>
   <p:sldIdLst>
     <p:sldId id="256" r:id="rId2"/>
-    <p:sldId id="260" r:id="rId3"/>
-    <p:sldId id="257" r:id="rId4"/>
-    <p:sldId id="258" r:id="rId5"/>
-    <p:sldId id="259" r:id="rId6"/>
-    <p:sldId id="261" r:id="rId7"/>
-    <p:sldId id="262" r:id="rId8"/>
+    <p:sldId id="263" r:id="rId3"/>
+    <p:sldId id="260" r:id="rId4"/>
+    <p:sldId id="257" r:id="rId5"/>
+    <p:sldId id="258" r:id="rId6"/>
+    <p:sldId id="259" r:id="rId7"/>
+    <p:sldId id="261" r:id="rId8"/>
+    <p:sldId id="262" r:id="rId9"/>
   </p:sldIdLst>
   <p:sldSz cx="12192000" cy="6858000"/>
   <p:notesSz cx="6858000" cy="9144000"/>
@@ -110,6 +111,11 @@
       </a:defRPr>
     </a:lvl9pPr>
   </p:defaultTextStyle>
+  <p:extLst>
+    <p:ext uri="{EFAFB233-063F-42B5-8137-9DF3F51BA10A}">
+      <p15:sldGuideLst xmlns:p15="http://schemas.microsoft.com/office/powerpoint/2012/main"/>
+    </p:ext>
+  </p:extLst>
 </p:presentation>
 </file>
 
@@ -301,7 +307,7 @@
           <a:p>
             <a:fld id="{70780F88-C4F1-408A-9B2A-6E84D2CA6C3B}" type="datetimeFigureOut">
               <a:rPr lang="cs-CZ" smtClean="0"/>
-              <a:t>14.03.2023</a:t>
+              <a:t>21.03.2023</a:t>
             </a:fld>
             <a:endParaRPr lang="cs-CZ"/>
           </a:p>
@@ -639,7 +645,7 @@
           <a:p>
             <a:fld id="{70780F88-C4F1-408A-9B2A-6E84D2CA6C3B}" type="datetimeFigureOut">
               <a:rPr lang="cs-CZ" smtClean="0"/>
-              <a:t>14.03.2023</a:t>
+              <a:t>21.03.2023</a:t>
             </a:fld>
             <a:endParaRPr lang="cs-CZ"/>
           </a:p>
@@ -1040,7 +1046,7 @@
           <a:p>
             <a:fld id="{70780F88-C4F1-408A-9B2A-6E84D2CA6C3B}" type="datetimeFigureOut">
               <a:rPr lang="cs-CZ" smtClean="0"/>
-              <a:t>14.03.2023</a:t>
+              <a:t>21.03.2023</a:t>
             </a:fld>
             <a:endParaRPr lang="cs-CZ"/>
           </a:p>
@@ -1376,7 +1382,7 @@
           <a:p>
             <a:fld id="{70780F88-C4F1-408A-9B2A-6E84D2CA6C3B}" type="datetimeFigureOut">
               <a:rPr lang="cs-CZ" smtClean="0"/>
-              <a:t>14.03.2023</a:t>
+              <a:t>21.03.2023</a:t>
             </a:fld>
             <a:endParaRPr lang="cs-CZ"/>
           </a:p>
@@ -1696,7 +1702,7 @@
           <a:p>
             <a:fld id="{70780F88-C4F1-408A-9B2A-6E84D2CA6C3B}" type="datetimeFigureOut">
               <a:rPr lang="cs-CZ" smtClean="0"/>
-              <a:t>14.03.2023</a:t>
+              <a:t>21.03.2023</a:t>
             </a:fld>
             <a:endParaRPr lang="cs-CZ"/>
           </a:p>
@@ -2092,7 +2098,7 @@
           <a:p>
             <a:fld id="{70780F88-C4F1-408A-9B2A-6E84D2CA6C3B}" type="datetimeFigureOut">
               <a:rPr lang="cs-CZ" smtClean="0"/>
-              <a:t>14.03.2023</a:t>
+              <a:t>21.03.2023</a:t>
             </a:fld>
             <a:endParaRPr lang="cs-CZ"/>
           </a:p>
@@ -2349,7 +2355,7 @@
           <a:p>
             <a:fld id="{70780F88-C4F1-408A-9B2A-6E84D2CA6C3B}" type="datetimeFigureOut">
               <a:rPr lang="cs-CZ" smtClean="0"/>
-              <a:t>14.03.2023</a:t>
+              <a:t>21.03.2023</a:t>
             </a:fld>
             <a:endParaRPr lang="cs-CZ"/>
           </a:p>
@@ -2611,7 +2617,7 @@
           <a:p>
             <a:fld id="{70780F88-C4F1-408A-9B2A-6E84D2CA6C3B}" type="datetimeFigureOut">
               <a:rPr lang="cs-CZ" smtClean="0"/>
-              <a:t>14.03.2023</a:t>
+              <a:t>21.03.2023</a:t>
             </a:fld>
             <a:endParaRPr lang="cs-CZ"/>
           </a:p>
@@ -2873,7 +2879,7 @@
           <a:p>
             <a:fld id="{70780F88-C4F1-408A-9B2A-6E84D2CA6C3B}" type="datetimeFigureOut">
               <a:rPr lang="cs-CZ" smtClean="0"/>
-              <a:t>14.03.2023</a:t>
+              <a:t>21.03.2023</a:t>
             </a:fld>
             <a:endParaRPr lang="cs-CZ"/>
           </a:p>
@@ -3202,7 +3208,7 @@
           <a:p>
             <a:fld id="{70780F88-C4F1-408A-9B2A-6E84D2CA6C3B}" type="datetimeFigureOut">
               <a:rPr lang="cs-CZ" smtClean="0"/>
-              <a:t>14.03.2023</a:t>
+              <a:t>21.03.2023</a:t>
             </a:fld>
             <a:endParaRPr lang="cs-CZ"/>
           </a:p>
@@ -3525,7 +3531,7 @@
           <a:p>
             <a:fld id="{70780F88-C4F1-408A-9B2A-6E84D2CA6C3B}" type="datetimeFigureOut">
               <a:rPr lang="cs-CZ" smtClean="0"/>
-              <a:t>14.03.2023</a:t>
+              <a:t>21.03.2023</a:t>
             </a:fld>
             <a:endParaRPr lang="cs-CZ"/>
           </a:p>
@@ -3982,7 +3988,7 @@
           <a:p>
             <a:fld id="{70780F88-C4F1-408A-9B2A-6E84D2CA6C3B}" type="datetimeFigureOut">
               <a:rPr lang="cs-CZ" smtClean="0"/>
-              <a:t>14.03.2023</a:t>
+              <a:t>21.03.2023</a:t>
             </a:fld>
             <a:endParaRPr lang="cs-CZ"/>
           </a:p>
@@ -4187,7 +4193,7 @@
           <a:p>
             <a:fld id="{70780F88-C4F1-408A-9B2A-6E84D2CA6C3B}" type="datetimeFigureOut">
               <a:rPr lang="cs-CZ" smtClean="0"/>
-              <a:t>14.03.2023</a:t>
+              <a:t>21.03.2023</a:t>
             </a:fld>
             <a:endParaRPr lang="cs-CZ"/>
           </a:p>
@@ -4364,7 +4370,7 @@
           <a:p>
             <a:fld id="{70780F88-C4F1-408A-9B2A-6E84D2CA6C3B}" type="datetimeFigureOut">
               <a:rPr lang="cs-CZ" smtClean="0"/>
-              <a:t>14.03.2023</a:t>
+              <a:t>21.03.2023</a:t>
             </a:fld>
             <a:endParaRPr lang="cs-CZ"/>
           </a:p>
@@ -4697,7 +4703,7 @@
           <a:p>
             <a:fld id="{70780F88-C4F1-408A-9B2A-6E84D2CA6C3B}" type="datetimeFigureOut">
               <a:rPr lang="cs-CZ" smtClean="0"/>
-              <a:t>14.03.2023</a:t>
+              <a:t>21.03.2023</a:t>
             </a:fld>
             <a:endParaRPr lang="cs-CZ"/>
           </a:p>
@@ -5042,7 +5048,7 @@
           <a:p>
             <a:fld id="{70780F88-C4F1-408A-9B2A-6E84D2CA6C3B}" type="datetimeFigureOut">
               <a:rPr lang="cs-CZ" smtClean="0"/>
-              <a:t>14.03.2023</a:t>
+              <a:t>21.03.2023</a:t>
             </a:fld>
             <a:endParaRPr lang="cs-CZ"/>
           </a:p>
@@ -7159,7 +7165,7 @@
           <a:p>
             <a:fld id="{70780F88-C4F1-408A-9B2A-6E84D2CA6C3B}" type="datetimeFigureOut">
               <a:rPr lang="cs-CZ" smtClean="0"/>
-              <a:t>14.03.2023</a:t>
+              <a:t>21.03.2023</a:t>
             </a:fld>
             <a:endParaRPr lang="cs-CZ"/>
           </a:p>
@@ -7770,7 +7776,7 @@
           <a:p>
             <a:r>
               <a:rPr lang="cs-CZ" dirty="0" smtClean="0"/>
-              <a:t>Činnosti a postupy</a:t>
+              <a:t>Albert</a:t>
             </a:r>
             <a:endParaRPr lang="cs-CZ" dirty="0"/>
           </a:p>
@@ -7786,51 +7792,123 @@
             <p:ph idx="1"/>
           </p:nvPr>
         </p:nvSpPr>
-        <p:spPr/>
+        <p:spPr>
+          <a:xfrm>
+            <a:off x="2592924" y="2111433"/>
+            <a:ext cx="8911687" cy="3799789"/>
+          </a:xfrm>
+        </p:spPr>
         <p:txBody>
           <a:bodyPr/>
           <a:lstStyle/>
           <a:p>
             <a:r>
+              <a:rPr lang="cs-CZ" dirty="0" smtClean="0"/>
+              <a:t>Albert je řetězec</a:t>
+            </a:r>
+            <a:r>
               <a:rPr lang="cs-CZ" dirty="0"/>
-              <a:t>Veškeré činností a postupy v rámci společenské odpovědnosti společnosti Ahold Czech Republic, a.s. vychází z poslání a vize skupiny </a:t>
+              <a:t> </a:t>
+            </a:r>
+            <a:r>
+              <a:rPr lang="cs-CZ" dirty="0" smtClean="0"/>
+              <a:t>supermarketů</a:t>
+            </a:r>
+            <a:r>
+              <a:rPr lang="cs-CZ" dirty="0"/>
+              <a:t> a </a:t>
+            </a:r>
+            <a:r>
+              <a:rPr lang="cs-CZ" dirty="0" smtClean="0"/>
+              <a:t>hypermarketů vlastněný</a:t>
+            </a:r>
+            <a:r>
+              <a:rPr lang="cs-CZ" dirty="0"/>
+              <a:t> </a:t>
+            </a:r>
+            <a:r>
+              <a:rPr lang="cs-CZ" dirty="0" smtClean="0"/>
+              <a:t>nizozemskou skupinou Ahold </a:t>
+            </a:r>
+            <a:r>
+              <a:rPr lang="cs-CZ" dirty="0" err="1" smtClean="0"/>
+              <a:t>Delhaize</a:t>
+            </a:r>
+            <a:r>
+              <a:rPr lang="cs-CZ" dirty="0" smtClean="0"/>
+              <a:t>. V</a:t>
+            </a:r>
+            <a:r>
+              <a:rPr lang="cs-CZ" dirty="0"/>
+              <a:t> únoru 2023 bylo v Česku celkem 335 prodejen Albert</a:t>
+            </a:r>
+            <a:r>
+              <a:rPr lang="cs-CZ" dirty="0" smtClean="0"/>
+              <a:t>.</a:t>
+            </a:r>
+            <a:r>
+              <a:rPr lang="cs-CZ" dirty="0"/>
+              <a:t> Za rok 2021 měl Albert v Česku tržby ve výši 61,44 mld. Kč, a byl </a:t>
+            </a:r>
+            <a:r>
+              <a:rPr lang="cs-CZ" dirty="0" smtClean="0"/>
+              <a:t>tak</a:t>
+            </a:r>
+            <a:r>
+              <a:rPr lang="cs-CZ" dirty="0"/>
+              <a:t> třetím největším obchodníkem v </a:t>
+            </a:r>
+            <a:r>
+              <a:rPr lang="cs-CZ" dirty="0" smtClean="0"/>
+              <a:t>zemi.</a:t>
+            </a:r>
+          </a:p>
+          <a:p>
+            <a:r>
+              <a:rPr lang="cs-CZ" dirty="0"/>
+              <a:t>Albert přivítal první zákazníky 9. května 2000. </a:t>
+            </a:r>
+            <a:r>
+              <a:rPr lang="cs-CZ" dirty="0" smtClean="0"/>
+              <a:t>Síť 140 prodejen vznikla </a:t>
+            </a:r>
+            <a:r>
+              <a:rPr lang="cs-CZ" dirty="0"/>
+              <a:t>z původních diskontů </a:t>
+            </a:r>
+            <a:r>
+              <a:rPr lang="cs-CZ" dirty="0" err="1" smtClean="0"/>
+              <a:t>Sesam</a:t>
+            </a:r>
+            <a:r>
+              <a:rPr lang="cs-CZ" dirty="0"/>
+              <a:t> a supermarketů </a:t>
+            </a:r>
+            <a:r>
+              <a:rPr lang="cs-CZ" dirty="0" smtClean="0"/>
+              <a:t>Mana.</a:t>
+            </a:r>
+          </a:p>
+          <a:p>
+            <a:r>
+              <a:rPr lang="cs-CZ" dirty="0" smtClean="0"/>
+              <a:t>Název Albert byl zvolen jednak z důvodu, že jde </a:t>
+            </a:r>
+            <a:r>
+              <a:rPr lang="cs-CZ" dirty="0"/>
+              <a:t>o křestní jméno zakladatele společnosti Ahold – Alberta </a:t>
             </a:r>
             <a:r>
               <a:rPr lang="cs-CZ" dirty="0" err="1"/>
-              <a:t>Global</a:t>
+              <a:t>Heijna</a:t>
             </a:r>
             <a:r>
               <a:rPr lang="cs-CZ" dirty="0"/>
-              <a:t> Ahold a jsou nedílnou součástí řídící strategie organizace v oblasti sociální, environmentální a </a:t>
+              <a:t>, ale především je to název srozumitelný po celém světě. Navozuje příjemné pocity, někdo si pod ním může představit pomocníka a přítele, jiný zase dobrého </a:t>
             </a:r>
             <a:r>
               <a:rPr lang="cs-CZ" dirty="0" smtClean="0"/>
-              <a:t>ekonomické</a:t>
-            </a:r>
-          </a:p>
-          <a:p>
-            <a:endParaRPr lang="cs-CZ" dirty="0" smtClean="0"/>
-          </a:p>
-          <a:p>
-            <a:r>
-              <a:rPr lang="cs-CZ" dirty="0" smtClean="0"/>
-              <a:t>Pracovnici </a:t>
-            </a:r>
-            <a:r>
-              <a:rPr lang="cs-CZ" dirty="0"/>
-              <a:t>společnosti </a:t>
-            </a:r>
-            <a:r>
-              <a:rPr lang="cs-CZ" dirty="0" smtClean="0"/>
-              <a:t>je </a:t>
-            </a:r>
-            <a:r>
-              <a:rPr lang="cs-CZ" dirty="0"/>
-              <a:t>provádí dobrovolně a nad rámec zákonných povinností, s motivací přispět ke zlepšení podmínek ve vlastní společnosti a v prostředí ve kterém </a:t>
-            </a:r>
-            <a:r>
-              <a:rPr lang="cs-CZ" dirty="0" smtClean="0"/>
-              <a:t>podnikají</a:t>
+              <a:t>souseda.</a:t>
             </a:r>
             <a:endParaRPr lang="cs-CZ" dirty="0"/>
           </a:p>
@@ -7839,7 +7917,7 @@
     </p:spTree>
     <p:extLst>
       <p:ext uri="{BB962C8B-B14F-4D97-AF65-F5344CB8AC3E}">
-        <p14:creationId xmlns:p14="http://schemas.microsoft.com/office/powerpoint/2010/main" val="2313899223"/>
+        <p14:creationId xmlns:p14="http://schemas.microsoft.com/office/powerpoint/2010/main" val="1795986915"/>
       </p:ext>
     </p:extLst>
   </p:cSld>
@@ -7883,7 +7961,7 @@
           <a:p>
             <a:r>
               <a:rPr lang="cs-CZ" dirty="0" smtClean="0"/>
-              <a:t>Obchodní strategie</a:t>
+              <a:t>Činnosti a postupy</a:t>
             </a:r>
             <a:endParaRPr lang="cs-CZ" dirty="0"/>
           </a:p>
@@ -7906,83 +7984,44 @@
           <a:p>
             <a:r>
               <a:rPr lang="cs-CZ" dirty="0"/>
-              <a:t>Základem strategie společnosti Ahold  je udržitelný a odpovědný obchod – je to způsob jakým </a:t>
+              <a:t>Veškeré činností a postupy v rámci společenské odpovědnosti společnosti Ahold Czech Republic, a.s. vychází z poslání a vize skupiny </a:t>
+            </a:r>
+            <a:r>
+              <a:rPr lang="cs-CZ" dirty="0" err="1"/>
+              <a:t>Global</a:t>
+            </a:r>
+            <a:r>
+              <a:rPr lang="cs-CZ" dirty="0"/>
+              <a:t> Ahold a jsou nedílnou součástí řídící strategie organizace v oblasti sociální, environmentální a </a:t>
             </a:r>
             <a:r>
               <a:rPr lang="cs-CZ" dirty="0" smtClean="0"/>
-              <a:t>podnikají, </a:t>
+              <a:t>ekonomické</a:t>
+            </a:r>
+          </a:p>
+          <a:p>
+            <a:endParaRPr lang="cs-CZ" dirty="0" smtClean="0"/>
+          </a:p>
+          <a:p>
+            <a:r>
+              <a:rPr lang="cs-CZ" dirty="0" smtClean="0"/>
+              <a:t>Pracovníci </a:t>
             </a:r>
             <a:r>
               <a:rPr lang="cs-CZ" dirty="0"/>
-              <a:t>víra v </a:t>
+              <a:t>společnosti </a:t>
             </a:r>
             <a:r>
               <a:rPr lang="cs-CZ" dirty="0" smtClean="0"/>
-              <a:t>jejich </a:t>
+              <a:t>je </a:t>
             </a:r>
             <a:r>
               <a:rPr lang="cs-CZ" dirty="0"/>
-              <a:t>hodnoty a dělání toho, co je správné pro </a:t>
-            </a:r>
-            <a:r>
-              <a:rPr lang="cs-CZ" dirty="0" smtClean="0"/>
-              <a:t>jejich </a:t>
-            </a:r>
-            <a:r>
-              <a:rPr lang="cs-CZ" dirty="0"/>
-              <a:t>zákazníky, vlastní zaměstnance a prostředí ve kterém </a:t>
+              <a:t>provádí dobrovolně a nad rámec zákonných povinností, s motivací přispět ke zlepšení podmínek ve vlastní společnosti a v prostředí ve kterém </a:t>
             </a:r>
             <a:r>
               <a:rPr lang="cs-CZ" dirty="0" smtClean="0"/>
               <a:t>podnikají</a:t>
-            </a:r>
-          </a:p>
-          <a:p>
-            <a:r>
-              <a:rPr lang="cs-CZ" dirty="0" smtClean="0"/>
-              <a:t>Podporují </a:t>
-            </a:r>
-            <a:r>
-              <a:rPr lang="cs-CZ" dirty="0"/>
-              <a:t>zdraví a spokojenost </a:t>
-            </a:r>
-            <a:r>
-              <a:rPr lang="cs-CZ" dirty="0" smtClean="0"/>
-              <a:t>jejich </a:t>
-            </a:r>
-            <a:r>
-              <a:rPr lang="cs-CZ" dirty="0"/>
-              <a:t>zákazníků, zaměstnanců a komunit, </a:t>
-            </a:r>
-            <a:r>
-              <a:rPr lang="cs-CZ" dirty="0" smtClean="0"/>
-              <a:t>prodávají </a:t>
-            </a:r>
-            <a:r>
-              <a:rPr lang="cs-CZ" dirty="0"/>
-              <a:t>výrobky, které jsou vyrobené a dodávané trvalé udržitelným </a:t>
-            </a:r>
-            <a:r>
-              <a:rPr lang="cs-CZ" dirty="0" smtClean="0"/>
-              <a:t>způsobem</a:t>
-            </a:r>
-          </a:p>
-          <a:p>
-            <a:r>
-              <a:rPr lang="cs-CZ" dirty="0"/>
-              <a:t>Zaměstnanci </a:t>
-            </a:r>
-            <a:r>
-              <a:rPr lang="cs-CZ" dirty="0" smtClean="0"/>
-              <a:t>jejich </a:t>
-            </a:r>
-            <a:r>
-              <a:rPr lang="cs-CZ" dirty="0"/>
-              <a:t>společnosti jsou motivováni k tomu, aby uplatňovali zásady odpovědného maloobchodu při své každodenní </a:t>
-            </a:r>
-            <a:r>
-              <a:rPr lang="cs-CZ" dirty="0" smtClean="0"/>
-              <a:t>práci</a:t>
             </a:r>
             <a:endParaRPr lang="cs-CZ" dirty="0"/>
           </a:p>
@@ -7991,7 +8030,7 @@
     </p:spTree>
     <p:extLst>
       <p:ext uri="{BB962C8B-B14F-4D97-AF65-F5344CB8AC3E}">
-        <p14:creationId xmlns:p14="http://schemas.microsoft.com/office/powerpoint/2010/main" val="1544978009"/>
+        <p14:creationId xmlns:p14="http://schemas.microsoft.com/office/powerpoint/2010/main" val="2313899223"/>
       </p:ext>
     </p:extLst>
   </p:cSld>
@@ -8035,7 +8074,7 @@
           <a:p>
             <a:r>
               <a:rPr lang="cs-CZ" dirty="0" smtClean="0"/>
-              <a:t>Image odpovědného obchodníka</a:t>
+              <a:t>Obchodní strategie</a:t>
             </a:r>
             <a:endParaRPr lang="cs-CZ" dirty="0"/>
           </a:p>
@@ -8056,77 +8095,86 @@
           <a:bodyPr/>
           <a:lstStyle/>
           <a:p>
-            <a:pPr marL="0" indent="0" fontAlgn="base">
-              <a:buNone/>
-            </a:pPr>
             <a:r>
               <a:rPr lang="cs-CZ" dirty="0"/>
-              <a:t>Image odpovědného obchodníka  </a:t>
+              <a:t>Základem strategie společnosti Ahold  je udržitelný a odpovědný obchod – je to způsob jakým </a:t>
             </a:r>
             <a:r>
               <a:rPr lang="cs-CZ" dirty="0" smtClean="0"/>
-              <a:t>dosahují</a:t>
+              <a:t>podnikají, </a:t>
             </a:r>
             <a:r>
               <a:rPr lang="cs-CZ" dirty="0"/>
-              <a:t>  vyváženým souborem jasných ambicí, cílů a kroků ve čtyřech pilířích firemní odpovědnosti</a:t>
+              <a:t>víra v </a:t>
             </a:r>
             <a:r>
               <a:rPr lang="cs-CZ" dirty="0" smtClean="0"/>
-              <a:t>:</a:t>
-            </a:r>
-          </a:p>
-          <a:p>
-            <a:pPr marL="0" indent="0" fontAlgn="base">
-              <a:buNone/>
-            </a:pPr>
-            <a:endParaRPr lang="cs-CZ" dirty="0"/>
-          </a:p>
-          <a:p>
+              <a:t>jejich </a:t>
+            </a:r>
             <a:r>
               <a:rPr lang="cs-CZ" dirty="0"/>
-              <a:t>zdravý </a:t>
+              <a:t>hodnoty a dělání toho, co je správné pro </a:t>
             </a:r>
             <a:r>
               <a:rPr lang="cs-CZ" dirty="0" smtClean="0"/>
-              <a:t>život</a:t>
-            </a:r>
-            <a:endParaRPr lang="cs-CZ" dirty="0"/>
-          </a:p>
-          <a:p>
+              <a:t>jejich </a:t>
+            </a:r>
             <a:r>
               <a:rPr lang="cs-CZ" dirty="0"/>
-              <a:t>ochrana </a:t>
+              <a:t>zákazníky, vlastní zaměstnance a prostředí ve kterém </a:t>
             </a:r>
             <a:r>
               <a:rPr lang="cs-CZ" dirty="0" smtClean="0"/>
-              <a:t>klimatu</a:t>
-            </a:r>
-            <a:endParaRPr lang="cs-CZ" dirty="0"/>
-          </a:p>
-          <a:p>
+              <a:t>podnikají</a:t>
+            </a:r>
+          </a:p>
+          <a:p>
+            <a:r>
+              <a:rPr lang="cs-CZ" dirty="0" smtClean="0"/>
+              <a:t>Podporují </a:t>
+            </a:r>
             <a:r>
               <a:rPr lang="cs-CZ" dirty="0"/>
-              <a:t>udržitelný </a:t>
+              <a:t>zdraví a spokojenost </a:t>
             </a:r>
             <a:r>
               <a:rPr lang="cs-CZ" dirty="0" smtClean="0"/>
-              <a:t>obchod</a:t>
-            </a:r>
-            <a:endParaRPr lang="cs-CZ" dirty="0"/>
-          </a:p>
-          <a:p>
+              <a:t>jejich </a:t>
+            </a:r>
             <a:r>
               <a:rPr lang="cs-CZ" dirty="0"/>
-              <a:t>angažovanost v </a:t>
+              <a:t>zákazníků, zaměstnanců a komunit, </a:t>
             </a:r>
             <a:r>
               <a:rPr lang="cs-CZ" dirty="0" smtClean="0"/>
-              <a:t>komunitách</a:t>
-            </a:r>
-            <a:endParaRPr lang="cs-CZ" dirty="0"/>
-          </a:p>
-          <a:p>
+              <a:t>prodávají </a:t>
+            </a:r>
+            <a:r>
+              <a:rPr lang="cs-CZ" dirty="0"/>
+              <a:t>výrobky, které jsou vyrobené a dodávané trvalé udržitelným </a:t>
+            </a:r>
+            <a:r>
+              <a:rPr lang="cs-CZ" dirty="0" smtClean="0"/>
+              <a:t>způsobem</a:t>
+            </a:r>
+          </a:p>
+          <a:p>
+            <a:r>
+              <a:rPr lang="cs-CZ" dirty="0"/>
+              <a:t>Zaměstnanci </a:t>
+            </a:r>
+            <a:r>
+              <a:rPr lang="cs-CZ" dirty="0" smtClean="0"/>
+              <a:t>jejich </a:t>
+            </a:r>
+            <a:r>
+              <a:rPr lang="cs-CZ" dirty="0"/>
+              <a:t>společnosti jsou motivováni k tomu, aby uplatňovali zásady odpovědného maloobchodu při své každodenní </a:t>
+            </a:r>
+            <a:r>
+              <a:rPr lang="cs-CZ" dirty="0" smtClean="0"/>
+              <a:t>práci</a:t>
+            </a:r>
             <a:endParaRPr lang="cs-CZ" dirty="0"/>
           </a:p>
         </p:txBody>
@@ -8134,7 +8182,7 @@
     </p:spTree>
     <p:extLst>
       <p:ext uri="{BB962C8B-B14F-4D97-AF65-F5344CB8AC3E}">
-        <p14:creationId xmlns:p14="http://schemas.microsoft.com/office/powerpoint/2010/main" val="536490027"/>
+        <p14:creationId xmlns:p14="http://schemas.microsoft.com/office/powerpoint/2010/main" val="1544978009"/>
       </p:ext>
     </p:extLst>
   </p:cSld>
@@ -8178,6 +8226,149 @@
           <a:p>
             <a:r>
               <a:rPr lang="cs-CZ" dirty="0" smtClean="0"/>
+              <a:t>Image odpovědného obchodníka</a:t>
+            </a:r>
+            <a:endParaRPr lang="cs-CZ" dirty="0"/>
+          </a:p>
+        </p:txBody>
+      </p:sp>
+      <p:sp>
+        <p:nvSpPr>
+          <p:cNvPr id="3" name="Zástupný symbol pro obsah 2"/>
+          <p:cNvSpPr>
+            <a:spLocks noGrp="1"/>
+          </p:cNvSpPr>
+          <p:nvPr>
+            <p:ph idx="1"/>
+          </p:nvPr>
+        </p:nvSpPr>
+        <p:spPr/>
+        <p:txBody>
+          <a:bodyPr/>
+          <a:lstStyle/>
+          <a:p>
+            <a:pPr marL="0" indent="0" fontAlgn="base">
+              <a:buNone/>
+            </a:pPr>
+            <a:r>
+              <a:rPr lang="cs-CZ" dirty="0"/>
+              <a:t>Image odpovědného obchodníka  </a:t>
+            </a:r>
+            <a:r>
+              <a:rPr lang="cs-CZ" dirty="0" smtClean="0"/>
+              <a:t>dosahují</a:t>
+            </a:r>
+            <a:r>
+              <a:rPr lang="cs-CZ" dirty="0"/>
+              <a:t>  vyváženým souborem jasných ambicí, cílů a kroků ve čtyřech pilířích firemní odpovědnosti</a:t>
+            </a:r>
+            <a:r>
+              <a:rPr lang="cs-CZ" dirty="0" smtClean="0"/>
+              <a:t>:</a:t>
+            </a:r>
+          </a:p>
+          <a:p>
+            <a:pPr marL="0" indent="0" fontAlgn="base">
+              <a:buNone/>
+            </a:pPr>
+            <a:endParaRPr lang="cs-CZ" dirty="0"/>
+          </a:p>
+          <a:p>
+            <a:r>
+              <a:rPr lang="cs-CZ" dirty="0"/>
+              <a:t>zdravý </a:t>
+            </a:r>
+            <a:r>
+              <a:rPr lang="cs-CZ" dirty="0" smtClean="0"/>
+              <a:t>život</a:t>
+            </a:r>
+            <a:endParaRPr lang="cs-CZ" dirty="0"/>
+          </a:p>
+          <a:p>
+            <a:r>
+              <a:rPr lang="cs-CZ" dirty="0"/>
+              <a:t>ochrana </a:t>
+            </a:r>
+            <a:r>
+              <a:rPr lang="cs-CZ" dirty="0" smtClean="0"/>
+              <a:t>klimatu</a:t>
+            </a:r>
+            <a:endParaRPr lang="cs-CZ" dirty="0"/>
+          </a:p>
+          <a:p>
+            <a:r>
+              <a:rPr lang="cs-CZ" dirty="0"/>
+              <a:t>udržitelný </a:t>
+            </a:r>
+            <a:r>
+              <a:rPr lang="cs-CZ" dirty="0" smtClean="0"/>
+              <a:t>obchod</a:t>
+            </a:r>
+            <a:endParaRPr lang="cs-CZ" dirty="0"/>
+          </a:p>
+          <a:p>
+            <a:r>
+              <a:rPr lang="cs-CZ" dirty="0"/>
+              <a:t>angažovanost v </a:t>
+            </a:r>
+            <a:r>
+              <a:rPr lang="cs-CZ" dirty="0" smtClean="0"/>
+              <a:t>komunitách</a:t>
+            </a:r>
+            <a:endParaRPr lang="cs-CZ" dirty="0"/>
+          </a:p>
+          <a:p>
+            <a:endParaRPr lang="cs-CZ" dirty="0"/>
+          </a:p>
+        </p:txBody>
+      </p:sp>
+    </p:spTree>
+    <p:extLst>
+      <p:ext uri="{BB962C8B-B14F-4D97-AF65-F5344CB8AC3E}">
+        <p14:creationId xmlns:p14="http://schemas.microsoft.com/office/powerpoint/2010/main" val="536490027"/>
+      </p:ext>
+    </p:extLst>
+  </p:cSld>
+  <p:clrMapOvr>
+    <a:masterClrMapping/>
+  </p:clrMapOvr>
+</p:sld>
+</file>
+
+<file path=ppt/slides/slide6.xml><?xml version="1.0" encoding="utf-8"?>
+<p:sld xmlns:a="http://schemas.openxmlformats.org/drawingml/2006/main" xmlns:r="http://schemas.openxmlformats.org/officeDocument/2006/relationships" xmlns:p="http://schemas.openxmlformats.org/presentationml/2006/main">
+  <p:cSld>
+    <p:spTree>
+      <p:nvGrpSpPr>
+        <p:cNvPr id="1" name=""/>
+        <p:cNvGrpSpPr/>
+        <p:nvPr/>
+      </p:nvGrpSpPr>
+      <p:grpSpPr>
+        <a:xfrm>
+          <a:off x="0" y="0"/>
+          <a:ext cx="0" cy="0"/>
+          <a:chOff x="0" y="0"/>
+          <a:chExt cx="0" cy="0"/>
+        </a:xfrm>
+      </p:grpSpPr>
+      <p:sp>
+        <p:nvSpPr>
+          <p:cNvPr id="2" name="Nadpis 1"/>
+          <p:cNvSpPr>
+            <a:spLocks noGrp="1"/>
+          </p:cNvSpPr>
+          <p:nvPr>
+            <p:ph type="title"/>
+          </p:nvPr>
+        </p:nvSpPr>
+        <p:spPr/>
+        <p:txBody>
+          <a:bodyPr/>
+          <a:lstStyle/>
+          <a:p>
+            <a:r>
+              <a:rPr lang="cs-CZ" dirty="0" smtClean="0"/>
               <a:t>Cíle</a:t>
             </a:r>
             <a:endParaRPr lang="cs-CZ" dirty="0"/>
@@ -8246,7 +8437,7 @@
 </p:sld>
 </file>
 
-<file path=ppt/slides/slide6.xml><?xml version="1.0" encoding="utf-8"?>
+<file path=ppt/slides/slide7.xml><?xml version="1.0" encoding="utf-8"?>
 <p:sld xmlns:a="http://schemas.openxmlformats.org/drawingml/2006/main" xmlns:r="http://schemas.openxmlformats.org/officeDocument/2006/relationships" xmlns:p="http://schemas.openxmlformats.org/presentationml/2006/main">
   <p:cSld>
     <p:spTree>
@@ -8383,7 +8574,7 @@
 </p:sld>
 </file>
 
-<file path=ppt/slides/slide7.xml><?xml version="1.0" encoding="utf-8"?>
+<file path=ppt/slides/slide8.xml><?xml version="1.0" encoding="utf-8"?>
 <p:sld xmlns:a="http://schemas.openxmlformats.org/drawingml/2006/main" xmlns:r="http://schemas.openxmlformats.org/officeDocument/2006/relationships" xmlns:p="http://schemas.openxmlformats.org/presentationml/2006/main">
   <p:cSld>
     <p:spTree>
